--- a/Python/Python.pptx
+++ b/Python/Python.pptx
@@ -4,6 +4,9 @@
   <p:sldMasterIdLst>
     <p:sldMasterId id="2147483648" r:id="rId1"/>
   </p:sldMasterIdLst>
+  <p:sldIdLst>
+    <p:sldId id="256" r:id="rId3"/>
+  </p:sldIdLst>
   <p:sldSz cx="12192000" cy="6858000"/>
   <p:notesSz cx="6858000" cy="9144000"/>
   <p:defaultTextStyle>
@@ -2901,6 +2904,60 @@
 </p:sldMaster>
 </file>
 
+<file path=ppt/slides/slide1.xml><?xml version="1.0" encoding="utf-8"?>
+<p:sld xmlns:a="http://schemas.openxmlformats.org/drawingml/2006/main" xmlns:r="http://schemas.openxmlformats.org/officeDocument/2006/relationships" xmlns:p="http://schemas.openxmlformats.org/presentationml/2006/main">
+  <p:cSld>
+    <p:spTree>
+      <p:nvGrpSpPr>
+        <p:cNvPr id="1" name=""/>
+        <p:cNvGrpSpPr/>
+        <p:nvPr/>
+      </p:nvGrpSpPr>
+      <p:grpSpPr/>
+      <p:sp>
+        <p:nvSpPr>
+          <p:cNvPr id="2" name="标题 1"/>
+          <p:cNvSpPr>
+            <a:spLocks noGrp="1"/>
+          </p:cNvSpPr>
+          <p:nvPr>
+            <p:ph type="ctrTitle"/>
+          </p:nvPr>
+        </p:nvSpPr>
+        <p:spPr/>
+        <p:txBody>
+          <a:bodyPr/>
+          <a:p>
+            <a:endParaRPr lang="zh-CN" altLang="en-US"/>
+          </a:p>
+        </p:txBody>
+      </p:sp>
+      <p:sp>
+        <p:nvSpPr>
+          <p:cNvPr id="3" name="副标题 2"/>
+          <p:cNvSpPr>
+            <a:spLocks noGrp="1"/>
+          </p:cNvSpPr>
+          <p:nvPr>
+            <p:ph type="subTitle" idx="1"/>
+          </p:nvPr>
+        </p:nvSpPr>
+        <p:spPr/>
+        <p:txBody>
+          <a:bodyPr/>
+          <a:p>
+            <a:endParaRPr lang="zh-CN" altLang="en-US"/>
+          </a:p>
+        </p:txBody>
+      </p:sp>
+    </p:spTree>
+  </p:cSld>
+  <p:clrMapOvr>
+    <a:masterClrMapping/>
+  </p:clrMapOvr>
+</p:sld>
+</file>
+
 <file path=ppt/theme/theme1.xml><?xml version="1.0" encoding="utf-8"?>
 <a:theme xmlns:a="http://schemas.openxmlformats.org/drawingml/2006/main" name="WPS">
   <a:themeElements>

--- a/Python/Python.pptx
+++ b/Python/Python.pptx
@@ -6,8 +6,15 @@
   </p:sldMasterIdLst>
   <p:sldIdLst>
     <p:sldId id="256" r:id="rId3"/>
+    <p:sldId id="257" r:id="rId4"/>
+    <p:sldId id="258" r:id="rId5"/>
+    <p:sldId id="259" r:id="rId6"/>
+    <p:sldId id="260" r:id="rId7"/>
+    <p:sldId id="261" r:id="rId8"/>
+    <p:sldId id="262" r:id="rId9"/>
+    <p:sldId id="263" r:id="rId10"/>
   </p:sldIdLst>
-  <p:sldSz cx="12192000" cy="6858000"/>
+  <p:sldSz cx="17999710" cy="6858000"/>
   <p:notesSz cx="6858000" cy="9144000"/>
   <p:defaultTextStyle>
     <a:defPPr>
@@ -136,8 +143,8 @@
         </p:nvSpPr>
         <p:spPr>
           <a:xfrm>
-            <a:off x="1524000" y="1122363"/>
-            <a:ext cx="9144000" cy="2387600"/>
+            <a:off x="2250000" y="1122363"/>
+            <a:ext cx="13500000" cy="2387600"/>
           </a:xfrm>
         </p:spPr>
         <p:txBody>
@@ -168,8 +175,8 @@
         </p:nvSpPr>
         <p:spPr>
           <a:xfrm>
-            <a:off x="1524000" y="3602038"/>
-            <a:ext cx="9144000" cy="1655762"/>
+            <a:off x="2250000" y="3602038"/>
+            <a:ext cx="13500000" cy="1655762"/>
           </a:xfrm>
         </p:spPr>
         <p:txBody>
@@ -488,8 +495,8 @@
         </p:nvSpPr>
         <p:spPr>
           <a:xfrm>
-            <a:off x="8724900" y="365125"/>
-            <a:ext cx="2628900" cy="5811838"/>
+            <a:off x="12881250" y="365125"/>
+            <a:ext cx="3881250" cy="5811838"/>
           </a:xfrm>
         </p:spPr>
         <p:txBody>
@@ -516,8 +523,8 @@
         </p:nvSpPr>
         <p:spPr>
           <a:xfrm>
-            <a:off x="838200" y="365125"/>
-            <a:ext cx="7734300" cy="5811838"/>
+            <a:off x="1237500" y="365125"/>
+            <a:ext cx="11418750" cy="5811838"/>
           </a:xfrm>
         </p:spPr>
         <p:txBody>
@@ -832,8 +839,8 @@
         </p:nvSpPr>
         <p:spPr>
           <a:xfrm>
-            <a:off x="831850" y="1709738"/>
-            <a:ext cx="10515600" cy="2852737"/>
+            <a:off x="1228125" y="1709738"/>
+            <a:ext cx="15525000" cy="2852737"/>
           </a:xfrm>
         </p:spPr>
         <p:txBody>
@@ -864,8 +871,8 @@
         </p:nvSpPr>
         <p:spPr>
           <a:xfrm>
-            <a:off x="831850" y="4589463"/>
-            <a:ext cx="10515600" cy="1500187"/>
+            <a:off x="1228125" y="4589463"/>
+            <a:ext cx="15525000" cy="1500187"/>
           </a:xfrm>
         </p:spPr>
         <p:txBody>
@@ -1095,8 +1102,8 @@
         </p:nvSpPr>
         <p:spPr>
           <a:xfrm>
-            <a:off x="838200" y="1825625"/>
-            <a:ext cx="5181600" cy="4351338"/>
+            <a:off x="1237500" y="1825625"/>
+            <a:ext cx="7650000" cy="4351338"/>
           </a:xfrm>
         </p:spPr>
         <p:txBody>
@@ -1156,8 +1163,8 @@
         </p:nvSpPr>
         <p:spPr>
           <a:xfrm>
-            <a:off x="6172200" y="1825625"/>
-            <a:ext cx="5181600" cy="4351338"/>
+            <a:off x="9112500" y="1825625"/>
+            <a:ext cx="7650000" cy="4351338"/>
           </a:xfrm>
         </p:spPr>
         <p:txBody>
@@ -1305,8 +1312,8 @@
         </p:nvSpPr>
         <p:spPr>
           <a:xfrm>
-            <a:off x="839788" y="365125"/>
-            <a:ext cx="10515600" cy="1325563"/>
+            <a:off x="1239845" y="365125"/>
+            <a:ext cx="15525000" cy="1325563"/>
           </a:xfrm>
         </p:spPr>
         <p:txBody>
@@ -1333,8 +1340,8 @@
         </p:nvSpPr>
         <p:spPr>
           <a:xfrm>
-            <a:off x="839788" y="1681163"/>
-            <a:ext cx="5157787" cy="823912"/>
+            <a:off x="1239845" y="1681163"/>
+            <a:ext cx="7614843" cy="823912"/>
           </a:xfrm>
         </p:spPr>
         <p:txBody>
@@ -1399,8 +1406,8 @@
         </p:nvSpPr>
         <p:spPr>
           <a:xfrm>
-            <a:off x="839788" y="2505075"/>
-            <a:ext cx="5157787" cy="3684588"/>
+            <a:off x="1239845" y="2505075"/>
+            <a:ext cx="7614843" cy="3684588"/>
           </a:xfrm>
         </p:spPr>
         <p:txBody>
@@ -1460,8 +1467,8 @@
         </p:nvSpPr>
         <p:spPr>
           <a:xfrm>
-            <a:off x="6172200" y="1681163"/>
-            <a:ext cx="5183188" cy="823912"/>
+            <a:off x="9112500" y="1681163"/>
+            <a:ext cx="7652345" cy="823912"/>
           </a:xfrm>
         </p:spPr>
         <p:txBody>
@@ -1526,8 +1533,8 @@
         </p:nvSpPr>
         <p:spPr>
           <a:xfrm>
-            <a:off x="6172200" y="2505075"/>
-            <a:ext cx="5183188" cy="3684588"/>
+            <a:off x="9112500" y="2505075"/>
+            <a:ext cx="7652345" cy="3684588"/>
           </a:xfrm>
         </p:spPr>
         <p:txBody>
@@ -1874,8 +1881,8 @@
         </p:nvSpPr>
         <p:spPr>
           <a:xfrm>
-            <a:off x="839788" y="457200"/>
-            <a:ext cx="3932237" cy="1600200"/>
+            <a:off x="1239845" y="457200"/>
+            <a:ext cx="5805468" cy="1600200"/>
           </a:xfrm>
         </p:spPr>
         <p:txBody>
@@ -1906,8 +1913,8 @@
         </p:nvSpPr>
         <p:spPr>
           <a:xfrm>
-            <a:off x="5183188" y="987425"/>
-            <a:ext cx="6172200" cy="4873625"/>
+            <a:off x="7652345" y="987425"/>
+            <a:ext cx="9112500" cy="4873625"/>
           </a:xfrm>
         </p:spPr>
         <p:txBody>
@@ -1995,8 +2002,8 @@
         </p:nvSpPr>
         <p:spPr>
           <a:xfrm>
-            <a:off x="839788" y="2057400"/>
-            <a:ext cx="3932237" cy="3811588"/>
+            <a:off x="1239845" y="2057400"/>
+            <a:ext cx="5805468" cy="3811588"/>
           </a:xfrm>
         </p:spPr>
         <p:txBody>
@@ -2149,8 +2156,8 @@
         </p:nvSpPr>
         <p:spPr>
           <a:xfrm>
-            <a:off x="839788" y="457200"/>
-            <a:ext cx="3932237" cy="1600200"/>
+            <a:off x="1239845" y="457200"/>
+            <a:ext cx="5805468" cy="1600200"/>
           </a:xfrm>
         </p:spPr>
         <p:txBody>
@@ -2181,8 +2188,8 @@
         </p:nvSpPr>
         <p:spPr>
           <a:xfrm>
-            <a:off x="5183188" y="987425"/>
-            <a:ext cx="6172200" cy="4873625"/>
+            <a:off x="7652345" y="987425"/>
+            <a:ext cx="9112500" cy="4873625"/>
           </a:xfrm>
         </p:spPr>
         <p:txBody>
@@ -2242,8 +2249,8 @@
         </p:nvSpPr>
         <p:spPr>
           <a:xfrm>
-            <a:off x="839788" y="2057400"/>
-            <a:ext cx="3932237" cy="3811588"/>
+            <a:off x="1239845" y="2057400"/>
+            <a:ext cx="5805468" cy="3811588"/>
           </a:xfrm>
         </p:spPr>
         <p:txBody>
@@ -2401,8 +2408,8 @@
         </p:nvSpPr>
         <p:spPr>
           <a:xfrm>
-            <a:off x="838200" y="365125"/>
-            <a:ext cx="10515600" cy="1325563"/>
+            <a:off x="1237500" y="365125"/>
+            <a:ext cx="15525000" cy="1325563"/>
           </a:xfrm>
           <a:prstGeom prst="rect">
             <a:avLst/>
@@ -2434,8 +2441,8 @@
         </p:nvSpPr>
         <p:spPr>
           <a:xfrm>
-            <a:off x="838200" y="1825625"/>
-            <a:ext cx="10515600" cy="4351338"/>
+            <a:off x="1237500" y="1825625"/>
+            <a:ext cx="15525000" cy="4351338"/>
           </a:xfrm>
           <a:prstGeom prst="rect">
             <a:avLst/>
@@ -2500,8 +2507,8 @@
         </p:nvSpPr>
         <p:spPr>
           <a:xfrm>
-            <a:off x="838200" y="6356350"/>
-            <a:ext cx="2743200" cy="365125"/>
+            <a:off x="1237500" y="6356350"/>
+            <a:ext cx="4050000" cy="365125"/>
           </a:xfrm>
           <a:prstGeom prst="rect">
             <a:avLst/>
@@ -2540,8 +2547,8 @@
         </p:nvSpPr>
         <p:spPr>
           <a:xfrm>
-            <a:off x="4038600" y="6356350"/>
-            <a:ext cx="4114800" cy="365125"/>
+            <a:off x="5962500" y="6356350"/>
+            <a:ext cx="6075000" cy="365125"/>
           </a:xfrm>
           <a:prstGeom prst="rect">
             <a:avLst/>
@@ -2577,8 +2584,8 @@
         </p:nvSpPr>
         <p:spPr>
           <a:xfrm>
-            <a:off x="8610600" y="6356350"/>
-            <a:ext cx="2743200" cy="365125"/>
+            <a:off x="12712500" y="6356350"/>
+            <a:ext cx="4050000" cy="365125"/>
           </a:xfrm>
           <a:prstGeom prst="rect">
             <a:avLst/>
@@ -2958,6 +2965,563 @@
 </p:sld>
 </file>
 
+<file path=ppt/slides/slide2.xml><?xml version="1.0" encoding="utf-8"?>
+<p:sld xmlns:a="http://schemas.openxmlformats.org/drawingml/2006/main" xmlns:r="http://schemas.openxmlformats.org/officeDocument/2006/relationships" xmlns:p="http://schemas.openxmlformats.org/presentationml/2006/main">
+  <p:cSld>
+    <p:spTree>
+      <p:nvGrpSpPr>
+        <p:cNvPr id="1" name=""/>
+        <p:cNvGrpSpPr/>
+        <p:nvPr/>
+      </p:nvGrpSpPr>
+      <p:grpSpPr/>
+      <p:sp>
+        <p:nvSpPr>
+          <p:cNvPr id="2" name="标题 1"/>
+          <p:cNvSpPr>
+            <a:spLocks noGrp="1"/>
+          </p:cNvSpPr>
+          <p:nvPr>
+            <p:ph type="title"/>
+          </p:nvPr>
+        </p:nvSpPr>
+        <p:spPr/>
+        <p:txBody>
+          <a:bodyPr/>
+          <a:p>
+            <a:endParaRPr lang="zh-CN" altLang="en-US"/>
+          </a:p>
+        </p:txBody>
+      </p:sp>
+      <p:pic>
+        <p:nvPicPr>
+          <p:cNvPr id="4" name="内容占位符 3"/>
+          <p:cNvPicPr>
+            <a:picLocks noChangeAspect="1"/>
+          </p:cNvPicPr>
+          <p:nvPr>
+            <p:ph idx="1"/>
+          </p:nvPr>
+        </p:nvPicPr>
+        <p:blipFill>
+          <a:blip r:embed="rId1"/>
+          <a:stretch>
+            <a:fillRect/>
+          </a:stretch>
+        </p:blipFill>
+        <p:spPr>
+          <a:xfrm>
+            <a:off x="711040" y="1690797"/>
+            <a:ext cx="5709375" cy="2348438"/>
+          </a:xfrm>
+          <a:prstGeom prst="rect">
+            <a:avLst/>
+          </a:prstGeom>
+        </p:spPr>
+      </p:pic>
+      <p:pic>
+        <p:nvPicPr>
+          <p:cNvPr id="5" name="图片 4"/>
+          <p:cNvPicPr>
+            <a:picLocks noChangeAspect="1"/>
+          </p:cNvPicPr>
+          <p:nvPr/>
+        </p:nvPicPr>
+        <p:blipFill>
+          <a:blip r:embed="rId2"/>
+          <a:stretch>
+            <a:fillRect/>
+          </a:stretch>
+        </p:blipFill>
+        <p:spPr>
+          <a:xfrm>
+            <a:off x="468228" y="4564235"/>
+            <a:ext cx="7185938" cy="1110938"/>
+          </a:xfrm>
+          <a:prstGeom prst="rect">
+            <a:avLst/>
+          </a:prstGeom>
+        </p:spPr>
+      </p:pic>
+      <p:pic>
+        <p:nvPicPr>
+          <p:cNvPr id="6" name="图片 5"/>
+          <p:cNvPicPr>
+            <a:picLocks noChangeAspect="1"/>
+          </p:cNvPicPr>
+          <p:nvPr/>
+        </p:nvPicPr>
+        <p:blipFill>
+          <a:blip r:embed="rId3"/>
+          <a:stretch>
+            <a:fillRect/>
+          </a:stretch>
+        </p:blipFill>
+        <p:spPr>
+          <a:xfrm>
+            <a:off x="10984865" y="1691005"/>
+            <a:ext cx="3684905" cy="2407285"/>
+          </a:xfrm>
+          <a:prstGeom prst="rect">
+            <a:avLst/>
+          </a:prstGeom>
+        </p:spPr>
+      </p:pic>
+      <p:pic>
+        <p:nvPicPr>
+          <p:cNvPr id="7" name="图片 6"/>
+          <p:cNvPicPr>
+            <a:picLocks noChangeAspect="1"/>
+          </p:cNvPicPr>
+          <p:nvPr/>
+        </p:nvPicPr>
+        <p:blipFill>
+          <a:blip r:embed="rId4"/>
+          <a:stretch>
+            <a:fillRect/>
+          </a:stretch>
+        </p:blipFill>
+        <p:spPr>
+          <a:xfrm>
+            <a:off x="10567035" y="4564380"/>
+            <a:ext cx="6871335" cy="1518285"/>
+          </a:xfrm>
+          <a:prstGeom prst="rect">
+            <a:avLst/>
+          </a:prstGeom>
+        </p:spPr>
+      </p:pic>
+    </p:spTree>
+  </p:cSld>
+  <p:clrMapOvr>
+    <a:masterClrMapping/>
+  </p:clrMapOvr>
+</p:sld>
+</file>
+
+<file path=ppt/slides/slide3.xml><?xml version="1.0" encoding="utf-8"?>
+<p:sld xmlns:a="http://schemas.openxmlformats.org/drawingml/2006/main" xmlns:r="http://schemas.openxmlformats.org/officeDocument/2006/relationships" xmlns:p="http://schemas.openxmlformats.org/presentationml/2006/main">
+  <p:cSld>
+    <p:spTree>
+      <p:nvGrpSpPr>
+        <p:cNvPr id="1" name=""/>
+        <p:cNvGrpSpPr/>
+        <p:nvPr/>
+      </p:nvGrpSpPr>
+      <p:grpSpPr/>
+      <p:sp>
+        <p:nvSpPr>
+          <p:cNvPr id="2" name="标题 1"/>
+          <p:cNvSpPr>
+            <a:spLocks noGrp="1"/>
+          </p:cNvSpPr>
+          <p:nvPr>
+            <p:ph type="title"/>
+          </p:nvPr>
+        </p:nvSpPr>
+        <p:spPr/>
+        <p:txBody>
+          <a:bodyPr/>
+          <a:p>
+            <a:r>
+              <a:rPr lang="en-US" altLang="zh-CN"/>
+              <a:t>same</a:t>
+            </a:r>
+            <a:endParaRPr lang="en-US" altLang="zh-CN"/>
+          </a:p>
+        </p:txBody>
+      </p:sp>
+      <p:pic>
+        <p:nvPicPr>
+          <p:cNvPr id="4" name="内容占位符 3"/>
+          <p:cNvPicPr>
+            <a:picLocks noChangeAspect="1"/>
+          </p:cNvPicPr>
+          <p:nvPr>
+            <p:ph idx="1"/>
+          </p:nvPr>
+        </p:nvPicPr>
+        <p:blipFill>
+          <a:blip r:embed="rId1"/>
+          <a:stretch>
+            <a:fillRect/>
+          </a:stretch>
+        </p:blipFill>
+        <p:spPr>
+          <a:xfrm>
+            <a:off x="781050" y="2237740"/>
+            <a:ext cx="7776845" cy="4021455"/>
+          </a:xfrm>
+          <a:prstGeom prst="rect">
+            <a:avLst/>
+          </a:prstGeom>
+        </p:spPr>
+      </p:pic>
+      <p:pic>
+        <p:nvPicPr>
+          <p:cNvPr id="5" name="图片 4"/>
+          <p:cNvPicPr>
+            <a:picLocks noChangeAspect="1"/>
+          </p:cNvPicPr>
+          <p:nvPr/>
+        </p:nvPicPr>
+        <p:blipFill>
+          <a:blip r:embed="rId2"/>
+          <a:stretch>
+            <a:fillRect/>
+          </a:stretch>
+        </p:blipFill>
+        <p:spPr>
+          <a:xfrm>
+            <a:off x="9311640" y="2237740"/>
+            <a:ext cx="7242810" cy="3951605"/>
+          </a:xfrm>
+          <a:prstGeom prst="rect">
+            <a:avLst/>
+          </a:prstGeom>
+        </p:spPr>
+      </p:pic>
+    </p:spTree>
+  </p:cSld>
+  <p:clrMapOvr>
+    <a:masterClrMapping/>
+  </p:clrMapOvr>
+</p:sld>
+</file>
+
+<file path=ppt/slides/slide4.xml><?xml version="1.0" encoding="utf-8"?>
+<p:sld xmlns:a="http://schemas.openxmlformats.org/drawingml/2006/main" xmlns:r="http://schemas.openxmlformats.org/officeDocument/2006/relationships" xmlns:p="http://schemas.openxmlformats.org/presentationml/2006/main">
+  <p:cSld>
+    <p:spTree>
+      <p:nvGrpSpPr>
+        <p:cNvPr id="1" name=""/>
+        <p:cNvGrpSpPr/>
+        <p:nvPr/>
+      </p:nvGrpSpPr>
+      <p:grpSpPr/>
+      <p:sp>
+        <p:nvSpPr>
+          <p:cNvPr id="2" name="标题 1"/>
+          <p:cNvSpPr>
+            <a:spLocks noGrp="1"/>
+          </p:cNvSpPr>
+          <p:nvPr>
+            <p:ph type="title"/>
+          </p:nvPr>
+        </p:nvSpPr>
+        <p:spPr/>
+        <p:txBody>
+          <a:bodyPr/>
+          <a:p>
+            <a:endParaRPr lang="zh-CN" altLang="en-US"/>
+          </a:p>
+        </p:txBody>
+      </p:sp>
+      <p:pic>
+        <p:nvPicPr>
+          <p:cNvPr id="4" name="内容占位符 3"/>
+          <p:cNvPicPr>
+            <a:picLocks noChangeAspect="1"/>
+          </p:cNvPicPr>
+          <p:nvPr>
+            <p:ph idx="1"/>
+          </p:nvPr>
+        </p:nvPicPr>
+        <p:blipFill>
+          <a:blip r:embed="rId1"/>
+          <a:stretch>
+            <a:fillRect/>
+          </a:stretch>
+        </p:blipFill>
+        <p:spPr>
+          <a:xfrm>
+            <a:off x="4295140" y="1854200"/>
+            <a:ext cx="7176135" cy="4351655"/>
+          </a:xfrm>
+          <a:prstGeom prst="rect">
+            <a:avLst/>
+          </a:prstGeom>
+        </p:spPr>
+      </p:pic>
+    </p:spTree>
+  </p:cSld>
+  <p:clrMapOvr>
+    <a:masterClrMapping/>
+  </p:clrMapOvr>
+</p:sld>
+</file>
+
+<file path=ppt/slides/slide5.xml><?xml version="1.0" encoding="utf-8"?>
+<p:sld xmlns:a="http://schemas.openxmlformats.org/drawingml/2006/main" xmlns:r="http://schemas.openxmlformats.org/officeDocument/2006/relationships" xmlns:p="http://schemas.openxmlformats.org/presentationml/2006/main">
+  <p:cSld>
+    <p:spTree>
+      <p:nvGrpSpPr>
+        <p:cNvPr id="1" name=""/>
+        <p:cNvGrpSpPr/>
+        <p:nvPr/>
+      </p:nvGrpSpPr>
+      <p:grpSpPr/>
+      <p:sp>
+        <p:nvSpPr>
+          <p:cNvPr id="2" name="标题 1"/>
+          <p:cNvSpPr>
+            <a:spLocks noGrp="1"/>
+          </p:cNvSpPr>
+          <p:nvPr>
+            <p:ph type="title"/>
+          </p:nvPr>
+        </p:nvSpPr>
+        <p:spPr>
+          <a:xfrm>
+            <a:off x="1496695" y="238760"/>
+            <a:ext cx="13197840" cy="1325880"/>
+          </a:xfrm>
+        </p:spPr>
+        <p:txBody>
+          <a:bodyPr>
+            <a:normAutofit fontScale="90000"/>
+          </a:bodyPr>
+          <a:p>
+            <a:r>
+              <a:rPr lang="zh-CN" altLang="en-US"/>
+              <a:t>这里同</a:t>
+            </a:r>
+            <a:r>
+              <a:rPr lang="en-US" altLang="zh-CN"/>
+              <a:t>print</a:t>
+            </a:r>
+            <a:r>
+              <a:rPr lang="zh-CN" altLang="en-US"/>
+              <a:t>来结束行，创建新的一行，和右图</a:t>
+            </a:r>
+            <a:r>
+              <a:rPr lang="zh-CN" altLang="en-US"/>
+              <a:t>一个效果</a:t>
+            </a:r>
+            <a:endParaRPr lang="zh-CN" altLang="en-US"/>
+          </a:p>
+        </p:txBody>
+      </p:sp>
+      <p:pic>
+        <p:nvPicPr>
+          <p:cNvPr id="4" name="内容占位符 3"/>
+          <p:cNvPicPr>
+            <a:picLocks noChangeAspect="1"/>
+          </p:cNvPicPr>
+          <p:nvPr>
+            <p:ph idx="1"/>
+          </p:nvPr>
+        </p:nvPicPr>
+        <p:blipFill>
+          <a:blip r:embed="rId1"/>
+          <a:stretch>
+            <a:fillRect/>
+          </a:stretch>
+        </p:blipFill>
+        <p:spPr>
+          <a:xfrm>
+            <a:off x="1496695" y="1214120"/>
+            <a:ext cx="4940300" cy="5959475"/>
+          </a:xfrm>
+          <a:prstGeom prst="rect">
+            <a:avLst/>
+          </a:prstGeom>
+        </p:spPr>
+      </p:pic>
+      <p:pic>
+        <p:nvPicPr>
+          <p:cNvPr id="5" name="图片 4"/>
+          <p:cNvPicPr>
+            <a:picLocks noChangeAspect="1"/>
+          </p:cNvPicPr>
+          <p:nvPr/>
+        </p:nvPicPr>
+        <p:blipFill>
+          <a:blip r:embed="rId2"/>
+          <a:stretch>
+            <a:fillRect/>
+          </a:stretch>
+        </p:blipFill>
+        <p:spPr>
+          <a:xfrm>
+            <a:off x="8857615" y="1312545"/>
+            <a:ext cx="3249930" cy="5681345"/>
+          </a:xfrm>
+          <a:prstGeom prst="rect">
+            <a:avLst/>
+          </a:prstGeom>
+        </p:spPr>
+      </p:pic>
+    </p:spTree>
+  </p:cSld>
+  <p:clrMapOvr>
+    <a:masterClrMapping/>
+  </p:clrMapOvr>
+</p:sld>
+</file>
+
+<file path=ppt/slides/slide6.xml><?xml version="1.0" encoding="utf-8"?>
+<p:sld xmlns:a="http://schemas.openxmlformats.org/drawingml/2006/main" xmlns:r="http://schemas.openxmlformats.org/officeDocument/2006/relationships" xmlns:p="http://schemas.openxmlformats.org/presentationml/2006/main">
+  <p:cSld>
+    <p:spTree>
+      <p:nvGrpSpPr>
+        <p:cNvPr id="1" name=""/>
+        <p:cNvGrpSpPr/>
+        <p:nvPr/>
+      </p:nvGrpSpPr>
+      <p:grpSpPr/>
+      <p:sp>
+        <p:nvSpPr>
+          <p:cNvPr id="2" name="标题 1"/>
+          <p:cNvSpPr>
+            <a:spLocks noGrp="1"/>
+          </p:cNvSpPr>
+          <p:nvPr>
+            <p:ph type="title"/>
+          </p:nvPr>
+        </p:nvSpPr>
+        <p:spPr/>
+        <p:txBody>
+          <a:bodyPr/>
+          <a:p>
+            <a:endParaRPr lang="zh-CN" altLang="en-US"/>
+          </a:p>
+        </p:txBody>
+      </p:sp>
+      <p:sp>
+        <p:nvSpPr>
+          <p:cNvPr id="3" name="内容占位符 2"/>
+          <p:cNvSpPr>
+            <a:spLocks noGrp="1"/>
+          </p:cNvSpPr>
+          <p:nvPr>
+            <p:ph idx="1"/>
+          </p:nvPr>
+        </p:nvSpPr>
+        <p:spPr/>
+        <p:txBody>
+          <a:bodyPr/>
+          <a:p>
+            <a:endParaRPr lang="zh-CN" altLang="en-US"/>
+          </a:p>
+        </p:txBody>
+      </p:sp>
+    </p:spTree>
+  </p:cSld>
+  <p:clrMapOvr>
+    <a:masterClrMapping/>
+  </p:clrMapOvr>
+</p:sld>
+</file>
+
+<file path=ppt/slides/slide7.xml><?xml version="1.0" encoding="utf-8"?>
+<p:sld xmlns:a="http://schemas.openxmlformats.org/drawingml/2006/main" xmlns:r="http://schemas.openxmlformats.org/officeDocument/2006/relationships" xmlns:p="http://schemas.openxmlformats.org/presentationml/2006/main">
+  <p:cSld>
+    <p:spTree>
+      <p:nvGrpSpPr>
+        <p:cNvPr id="1" name=""/>
+        <p:cNvGrpSpPr/>
+        <p:nvPr/>
+      </p:nvGrpSpPr>
+      <p:grpSpPr/>
+      <p:sp>
+        <p:nvSpPr>
+          <p:cNvPr id="2" name="标题 1"/>
+          <p:cNvSpPr>
+            <a:spLocks noGrp="1"/>
+          </p:cNvSpPr>
+          <p:nvPr>
+            <p:ph type="title"/>
+          </p:nvPr>
+        </p:nvSpPr>
+        <p:spPr/>
+        <p:txBody>
+          <a:bodyPr/>
+          <a:p>
+            <a:endParaRPr lang="zh-CN" altLang="en-US"/>
+          </a:p>
+        </p:txBody>
+      </p:sp>
+      <p:sp>
+        <p:nvSpPr>
+          <p:cNvPr id="3" name="内容占位符 2"/>
+          <p:cNvSpPr>
+            <a:spLocks noGrp="1"/>
+          </p:cNvSpPr>
+          <p:nvPr>
+            <p:ph idx="1"/>
+          </p:nvPr>
+        </p:nvSpPr>
+        <p:spPr/>
+        <p:txBody>
+          <a:bodyPr/>
+          <a:p>
+            <a:endParaRPr lang="zh-CN" altLang="en-US"/>
+          </a:p>
+        </p:txBody>
+      </p:sp>
+    </p:spTree>
+  </p:cSld>
+  <p:clrMapOvr>
+    <a:masterClrMapping/>
+  </p:clrMapOvr>
+</p:sld>
+</file>
+
+<file path=ppt/slides/slide8.xml><?xml version="1.0" encoding="utf-8"?>
+<p:sld xmlns:a="http://schemas.openxmlformats.org/drawingml/2006/main" xmlns:r="http://schemas.openxmlformats.org/officeDocument/2006/relationships" xmlns:p="http://schemas.openxmlformats.org/presentationml/2006/main">
+  <p:cSld>
+    <p:spTree>
+      <p:nvGrpSpPr>
+        <p:cNvPr id="1" name=""/>
+        <p:cNvGrpSpPr/>
+        <p:nvPr/>
+      </p:nvGrpSpPr>
+      <p:grpSpPr/>
+      <p:sp>
+        <p:nvSpPr>
+          <p:cNvPr id="2" name="标题 1"/>
+          <p:cNvSpPr>
+            <a:spLocks noGrp="1"/>
+          </p:cNvSpPr>
+          <p:nvPr>
+            <p:ph type="title"/>
+          </p:nvPr>
+        </p:nvSpPr>
+        <p:spPr/>
+        <p:txBody>
+          <a:bodyPr/>
+          <a:p>
+            <a:endParaRPr lang="zh-CN" altLang="en-US"/>
+          </a:p>
+        </p:txBody>
+      </p:sp>
+      <p:sp>
+        <p:nvSpPr>
+          <p:cNvPr id="3" name="内容占位符 2"/>
+          <p:cNvSpPr>
+            <a:spLocks noGrp="1"/>
+          </p:cNvSpPr>
+          <p:nvPr>
+            <p:ph idx="1"/>
+          </p:nvPr>
+        </p:nvSpPr>
+        <p:spPr/>
+        <p:txBody>
+          <a:bodyPr/>
+          <a:p>
+            <a:endParaRPr lang="zh-CN" altLang="en-US"/>
+          </a:p>
+        </p:txBody>
+      </p:sp>
+    </p:spTree>
+  </p:cSld>
+  <p:clrMapOvr>
+    <a:masterClrMapping/>
+  </p:clrMapOvr>
+</p:sld>
+</file>
+
 <file path=ppt/theme/theme1.xml><?xml version="1.0" encoding="utf-8"?>
 <a:theme xmlns:a="http://schemas.openxmlformats.org/drawingml/2006/main" name="WPS">
   <a:themeElements>

--- a/Python/Python.pptx
+++ b/Python/Python.pptx
@@ -3380,32 +3380,89 @@
             <p:ph type="title"/>
           </p:nvPr>
         </p:nvSpPr>
-        <p:spPr/>
-        <p:txBody>
-          <a:bodyPr/>
-          <a:p>
-            <a:endParaRPr lang="zh-CN" altLang="en-US"/>
-          </a:p>
-        </p:txBody>
-      </p:sp>
-      <p:sp>
-        <p:nvSpPr>
-          <p:cNvPr id="3" name="内容占位符 2"/>
-          <p:cNvSpPr>
-            <a:spLocks noGrp="1"/>
-          </p:cNvSpPr>
+        <p:spPr>
+          <a:xfrm>
+            <a:off x="493280" y="-92075"/>
+            <a:ext cx="15525000" cy="1325563"/>
+          </a:xfrm>
+        </p:spPr>
+        <p:txBody>
+          <a:bodyPr>
+            <a:normAutofit fontScale="90000"/>
+          </a:bodyPr>
+          <a:p>
+            <a:r>
+              <a:rPr lang="en-US" altLang="zh-CN" sz="4890" b="1">
+                <a:solidFill>
+                  <a:schemeClr val="accent6">
+                    <a:lumMod val="75000"/>
+                  </a:schemeClr>
+                </a:solidFill>
+              </a:rPr>
+              <a:t>re module</a:t>
+            </a:r>
+            <a:r>
+              <a:rPr lang="en-US" altLang="zh-CN" sz="4890"/>
+              <a:t>:</a:t>
+            </a:r>
+            <a:r>
+              <a:rPr lang="en-US" altLang="zh-CN" sz="4000"/>
+              <a:t>Python’s re module provides support for working with regular expressions, allowing you to search, match, and manipulate strings efficiently.</a:t>
+            </a:r>
+            <a:endParaRPr lang="en-US" altLang="zh-CN" sz="4000"/>
+          </a:p>
+        </p:txBody>
+      </p:sp>
+      <p:pic>
+        <p:nvPicPr>
+          <p:cNvPr id="4" name="内容占位符 3"/>
+          <p:cNvPicPr>
+            <a:picLocks noChangeAspect="1"/>
+          </p:cNvPicPr>
           <p:nvPr>
             <p:ph idx="1"/>
           </p:nvPr>
-        </p:nvSpPr>
-        <p:spPr/>
-        <p:txBody>
-          <a:bodyPr/>
-          <a:p>
-            <a:endParaRPr lang="zh-CN" altLang="en-US"/>
-          </a:p>
-        </p:txBody>
-      </p:sp>
+        </p:nvPicPr>
+        <p:blipFill>
+          <a:blip r:embed="rId1"/>
+          <a:stretch>
+            <a:fillRect/>
+          </a:stretch>
+        </p:blipFill>
+        <p:spPr>
+          <a:xfrm>
+            <a:off x="579120" y="1395730"/>
+            <a:ext cx="7825740" cy="5497195"/>
+          </a:xfrm>
+          <a:prstGeom prst="rect">
+            <a:avLst/>
+          </a:prstGeom>
+        </p:spPr>
+      </p:pic>
+      <p:pic>
+        <p:nvPicPr>
+          <p:cNvPr id="5" name="图片 4"/>
+          <p:cNvPicPr>
+            <a:picLocks noChangeAspect="1"/>
+          </p:cNvPicPr>
+          <p:nvPr/>
+        </p:nvPicPr>
+        <p:blipFill>
+          <a:blip r:embed="rId2"/>
+          <a:stretch>
+            <a:fillRect/>
+          </a:stretch>
+        </p:blipFill>
+        <p:spPr>
+          <a:xfrm>
+            <a:off x="8918575" y="1395730"/>
+            <a:ext cx="8802370" cy="5462270"/>
+          </a:xfrm>
+          <a:prstGeom prst="rect">
+            <a:avLst/>
+          </a:prstGeom>
+        </p:spPr>
+      </p:pic>
     </p:spTree>
   </p:cSld>
   <p:clrMapOvr>
@@ -3434,32 +3491,141 @@
             <p:ph type="title"/>
           </p:nvPr>
         </p:nvSpPr>
-        <p:spPr/>
-        <p:txBody>
-          <a:bodyPr/>
-          <a:p>
-            <a:endParaRPr lang="zh-CN" altLang="en-US"/>
-          </a:p>
-        </p:txBody>
-      </p:sp>
-      <p:sp>
-        <p:nvSpPr>
-          <p:cNvPr id="3" name="内容占位符 2"/>
-          <p:cNvSpPr>
-            <a:spLocks noGrp="1"/>
-          </p:cNvSpPr>
+        <p:spPr>
+          <a:xfrm>
+            <a:off x="600595" y="48895"/>
+            <a:ext cx="15525000" cy="1325563"/>
+          </a:xfrm>
+        </p:spPr>
+        <p:txBody>
+          <a:bodyPr/>
+          <a:p>
+            <a:r>
+              <a:rPr lang="zh-CN" altLang="en-US"/>
+              <a:t>特殊符号</a:t>
+            </a:r>
+            <a:endParaRPr lang="zh-CN" altLang="en-US"/>
+          </a:p>
+        </p:txBody>
+      </p:sp>
+      <p:pic>
+        <p:nvPicPr>
+          <p:cNvPr id="4" name="内容占位符 3"/>
+          <p:cNvPicPr>
+            <a:picLocks noChangeAspect="1"/>
+          </p:cNvPicPr>
           <p:nvPr>
             <p:ph idx="1"/>
           </p:nvPr>
-        </p:nvSpPr>
-        <p:spPr/>
-        <p:txBody>
-          <a:bodyPr/>
-          <a:p>
-            <a:endParaRPr lang="zh-CN" altLang="en-US"/>
-          </a:p>
-        </p:txBody>
-      </p:sp>
+        </p:nvPicPr>
+        <p:blipFill>
+          <a:blip r:embed="rId1"/>
+          <a:stretch>
+            <a:fillRect/>
+          </a:stretch>
+        </p:blipFill>
+        <p:spPr>
+          <a:xfrm>
+            <a:off x="8567420" y="365125"/>
+            <a:ext cx="8935085" cy="6225540"/>
+          </a:xfrm>
+          <a:prstGeom prst="rect">
+            <a:avLst/>
+          </a:prstGeom>
+        </p:spPr>
+      </p:pic>
+      <p:sp>
+        <p:nvSpPr>
+          <p:cNvPr id="5" name="文本框 4"/>
+          <p:cNvSpPr txBox="1"/>
+          <p:nvPr/>
+        </p:nvSpPr>
+        <p:spPr>
+          <a:xfrm>
+            <a:off x="600710" y="1374775"/>
+            <a:ext cx="6000115" cy="829945"/>
+          </a:xfrm>
+          <a:prstGeom prst="rect">
+            <a:avLst/>
+          </a:prstGeom>
+          <a:noFill/>
+        </p:spPr>
+        <p:txBody>
+          <a:bodyPr wrap="square" rtlCol="0">
+            <a:spAutoFit/>
+          </a:bodyPr>
+          <a:p>
+            <a:r>
+              <a:rPr lang="zh-CN" altLang="en-US" sz="2400">
+                <a:latin typeface="+mj-ea"/>
+                <a:ea typeface="+mj-ea"/>
+                <a:cs typeface="+mj-ea"/>
+              </a:rPr>
+              <a:t>比如</a:t>
+            </a:r>
+            <a:r>
+              <a:rPr lang="en-US" altLang="zh-CN" sz="2400">
+                <a:latin typeface="+mj-ea"/>
+                <a:ea typeface="+mj-ea"/>
+                <a:cs typeface="+mj-ea"/>
+              </a:rPr>
+              <a:t>amex_pattern = r"^3[47]\d{13}$"</a:t>
+            </a:r>
+            <a:endParaRPr lang="en-US" altLang="zh-CN" sz="2400">
+              <a:latin typeface="+mj-ea"/>
+              <a:ea typeface="+mj-ea"/>
+              <a:cs typeface="+mj-ea"/>
+            </a:endParaRPr>
+          </a:p>
+          <a:p>
+            <a:r>
+              <a:rPr lang="zh-CN" altLang="en-US" sz="2400">
+                <a:latin typeface="+mj-ea"/>
+                <a:ea typeface="+mj-ea"/>
+                <a:cs typeface="+mj-ea"/>
+              </a:rPr>
+              <a:t>翻译</a:t>
+            </a:r>
+            <a:r>
+              <a:rPr lang="zh-CN" altLang="en-US" sz="2400">
+                <a:latin typeface="+mj-ea"/>
+                <a:ea typeface="+mj-ea"/>
+                <a:cs typeface="+mj-ea"/>
+              </a:rPr>
+              <a:t>为</a:t>
+            </a:r>
+            <a:endParaRPr lang="zh-CN" altLang="en-US" sz="2400">
+              <a:latin typeface="+mj-ea"/>
+              <a:ea typeface="+mj-ea"/>
+              <a:cs typeface="+mj-ea"/>
+            </a:endParaRPr>
+          </a:p>
+        </p:txBody>
+      </p:sp>
+      <p:pic>
+        <p:nvPicPr>
+          <p:cNvPr id="6" name="图片 5"/>
+          <p:cNvPicPr>
+            <a:picLocks noChangeAspect="1"/>
+          </p:cNvPicPr>
+          <p:nvPr/>
+        </p:nvPicPr>
+        <p:blipFill>
+          <a:blip r:embed="rId2"/>
+          <a:stretch>
+            <a:fillRect/>
+          </a:stretch>
+        </p:blipFill>
+        <p:spPr>
+          <a:xfrm>
+            <a:off x="600710" y="2383155"/>
+            <a:ext cx="7448550" cy="4381500"/>
+          </a:xfrm>
+          <a:prstGeom prst="rect">
+            <a:avLst/>
+          </a:prstGeom>
+        </p:spPr>
+      </p:pic>
     </p:spTree>
   </p:cSld>
   <p:clrMapOvr>

--- a/Python/Python.pptx
+++ b/Python/Python.pptx
@@ -2935,7 +2935,15 @@
         <p:txBody>
           <a:bodyPr/>
           <a:p>
-            <a:endParaRPr lang="zh-CN" altLang="en-US"/>
+            <a:r>
+              <a:rPr lang="en-US" altLang="zh-CN"/>
+              <a:t>gitignore clean cached </a:t>
+            </a:r>
+            <a:r>
+              <a:rPr lang="en-US" altLang="zh-CN"/>
+              <a:t>file</a:t>
+            </a:r>
+            <a:endParaRPr lang="en-US" altLang="zh-CN"/>
           </a:p>
         </p:txBody>
       </p:sp>
@@ -2953,7 +2961,33 @@
         <p:txBody>
           <a:bodyPr/>
           <a:p>
-            <a:endParaRPr lang="zh-CN" altLang="en-US"/>
+            <a:r>
+              <a:rPr lang="en-US" altLang="zh-CN"/>
+              <a:t>git rm --cached file</a:t>
+            </a:r>
+            <a:r>
+              <a:rPr lang="en-US" altLang="zh-CN"/>
+              <a:t>name</a:t>
+            </a:r>
+            <a:endParaRPr lang="en-US" altLang="zh-CN"/>
+          </a:p>
+          <a:p>
+            <a:r>
+              <a:rPr lang="en-US" altLang="zh-CN"/>
+              <a:t>remove all cached file </a:t>
+            </a:r>
+            <a:r>
+              <a:rPr lang="zh-CN" altLang="en-US"/>
+              <a:t>：</a:t>
+            </a:r>
+            <a:r>
+              <a:rPr lang="en-US" altLang="zh-CN"/>
+              <a:t>git rm --cached -r .</a:t>
+            </a:r>
+            <a:endParaRPr lang="en-US" altLang="zh-CN"/>
+          </a:p>
+          <a:p>
+            <a:endParaRPr lang="en-US" altLang="zh-CN"/>
           </a:p>
         </p:txBody>
       </p:sp>

--- a/Python/Python.pptx
+++ b/Python/Python.pptx
@@ -3384,28 +3384,48 @@
         <p:txBody>
           <a:bodyPr/>
           <a:p>
-            <a:endParaRPr lang="zh-CN" altLang="en-US"/>
-          </a:p>
-        </p:txBody>
-      </p:sp>
-      <p:sp>
-        <p:nvSpPr>
-          <p:cNvPr id="3" name="内容占位符 2"/>
-          <p:cNvSpPr>
-            <a:spLocks noGrp="1"/>
-          </p:cNvSpPr>
+            <a:r>
+              <a:rPr lang="en-US" altLang="zh-CN"/>
+              <a:t>echo $? </a:t>
+            </a:r>
+            <a:r>
+              <a:rPr lang="zh-CN" altLang="en-US"/>
+              <a:t>来查看退出</a:t>
+            </a:r>
+            <a:r>
+              <a:rPr lang="zh-CN" altLang="en-US"/>
+              <a:t>状态</a:t>
+            </a:r>
+            <a:endParaRPr lang="zh-CN" altLang="en-US"/>
+          </a:p>
+        </p:txBody>
+      </p:sp>
+      <p:pic>
+        <p:nvPicPr>
+          <p:cNvPr id="4" name="内容占位符 3"/>
+          <p:cNvPicPr>
+            <a:picLocks noChangeAspect="1"/>
+          </p:cNvPicPr>
           <p:nvPr>
             <p:ph idx="1"/>
           </p:nvPr>
-        </p:nvSpPr>
-        <p:spPr/>
-        <p:txBody>
-          <a:bodyPr/>
-          <a:p>
-            <a:endParaRPr lang="zh-CN" altLang="en-US"/>
-          </a:p>
-        </p:txBody>
-      </p:sp>
+        </p:nvPicPr>
+        <p:blipFill>
+          <a:blip r:embed="rId1"/>
+          <a:stretch>
+            <a:fillRect/>
+          </a:stretch>
+        </p:blipFill>
+        <p:spPr>
+          <a:xfrm>
+            <a:off x="11335385" y="365125"/>
+            <a:ext cx="6217285" cy="6355715"/>
+          </a:xfrm>
+          <a:prstGeom prst="rect">
+            <a:avLst/>
+          </a:prstGeom>
+        </p:spPr>
+      </p:pic>
     </p:spTree>
   </p:cSld>
   <p:clrMapOvr>
